--- a/doc/moodle_presentation.pptx
+++ b/doc/moodle_presentation.pptx
@@ -231,7 +231,7 @@
           <a:p>
             <a:fld id="{92F47466-C257-5E4D-B900-FDF6B78F5F15}" type="datetimeFigureOut">
               <a:rPr lang="de-DE" smtClean="0"/>
-              <a:t>27.04.16</a:t>
+              <a:t>01.07.16</a:t>
             </a:fld>
             <a:endParaRPr lang="de-DE"/>
           </a:p>
@@ -397,7 +397,7 @@
           <a:p>
             <a:fld id="{7A19BEE0-598C-4858-A439-753E34679212}" type="datetimeFigureOut">
               <a:rPr lang="de-AT" smtClean="0"/>
-              <a:t>27.04.16</a:t>
+              <a:t>01.07.16</a:t>
             </a:fld>
             <a:endParaRPr lang="de-AT"/>
           </a:p>
@@ -3409,32 +3409,28 @@
             <p:ph sz="quarter" idx="10"/>
           </p:nvPr>
         </p:nvSpPr>
-        <p:spPr/>
-        <p:txBody>
-          <a:bodyPr/>
-          <a:lstStyle/>
-          <a:p>
-            <a:r>
-              <a:rPr lang="de-AT" dirty="0"/>
+        <p:spPr>
+          <a:xfrm>
+            <a:off x="350874" y="2058506"/>
+            <a:ext cx="8431619" cy="633323"/>
+          </a:xfrm>
+        </p:spPr>
+        <p:txBody>
+          <a:bodyPr/>
+          <a:lstStyle/>
+          <a:p>
+            <a:r>
+              <a:rPr lang="de-AT" smtClean="0"/>
               <a:t>Patrick </a:t>
             </a:r>
             <a:r>
               <a:rPr lang="de-AT" dirty="0" smtClean="0"/>
-              <a:t>Kainz</a:t>
-            </a:r>
-            <a:r>
-              <a:rPr lang="de-AT" dirty="0" smtClean="0"/>
-              <a:t>, </a:t>
-            </a:r>
-            <a:r>
-              <a:rPr lang="de-AT" dirty="0" smtClean="0"/>
-              <a:t>Patrick Papst, </a:t>
+              <a:t>Kainz, Patrick Papst, </a:t>
             </a:r>
             <a:r>
               <a:rPr lang="de-AT" dirty="0"/>
               <a:t>Markus Schalk</a:t>
             </a:r>
-            <a:endParaRPr lang="de-AT" dirty="0"/>
           </a:p>
         </p:txBody>
       </p:sp>
@@ -3455,7 +3451,11 @@
           <a:p>
             <a:r>
               <a:rPr lang="de-AT" dirty="0" smtClean="0"/>
-              <a:t>Projekt Liveticker</a:t>
+              <a:t>Projekt </a:t>
+            </a:r>
+            <a:r>
+              <a:rPr lang="de-AT" dirty="0" smtClean="0"/>
+              <a:t>Liveticker - RIA</a:t>
             </a:r>
             <a:endParaRPr lang="de-AT" dirty="0"/>
           </a:p>
@@ -3527,11 +3527,30 @@
           <a:p>
             <a:r>
               <a:rPr lang="de-DE" dirty="0" smtClean="0"/>
-              <a:t>Live </a:t>
-            </a:r>
+              <a:t>Live Demo</a:t>
+            </a:r>
+            <a:endParaRPr lang="de-DE" dirty="0"/>
+          </a:p>
+        </p:txBody>
+      </p:sp>
+      <p:sp>
+        <p:nvSpPr>
+          <p:cNvPr id="2" name="Datumsplatzhalter 1"/>
+          <p:cNvSpPr>
+            <a:spLocks noGrp="1"/>
+          </p:cNvSpPr>
+          <p:nvPr>
+            <p:ph type="dt" sz="half" idx="10"/>
+          </p:nvPr>
+        </p:nvSpPr>
+        <p:spPr/>
+        <p:txBody>
+          <a:bodyPr/>
+          <a:lstStyle/>
+          <a:p>
             <a:r>
               <a:rPr lang="de-DE" dirty="0" smtClean="0"/>
-              <a:t>Demo</a:t>
+              <a:t>02.07.2016</a:t>
             </a:r>
             <a:endParaRPr lang="de-DE" dirty="0"/>
           </a:p>
@@ -3539,12 +3558,12 @@
       </p:sp>
       <p:sp>
         <p:nvSpPr>
-          <p:cNvPr id="2" name="Datumsplatzhalter 1"/>
-          <p:cNvSpPr>
-            <a:spLocks noGrp="1"/>
-          </p:cNvSpPr>
-          <p:nvPr>
-            <p:ph type="dt" sz="half" idx="10"/>
+          <p:cNvPr id="4" name="Fußzeilenplatzhalter 3"/>
+          <p:cNvSpPr>
+            <a:spLocks noGrp="1"/>
+          </p:cNvSpPr>
+          <p:nvPr>
+            <p:ph type="ftr" sz="quarter" idx="11"/>
           </p:nvPr>
         </p:nvSpPr>
         <p:spPr/>
@@ -3552,25 +3571,10 @@
           <a:bodyPr/>
           <a:lstStyle/>
           <a:p>
-            <a:endParaRPr lang="de-DE" dirty="0"/>
-          </a:p>
-        </p:txBody>
-      </p:sp>
-      <p:sp>
-        <p:nvSpPr>
-          <p:cNvPr id="4" name="Fußzeilenplatzhalter 3"/>
-          <p:cNvSpPr>
-            <a:spLocks noGrp="1"/>
-          </p:cNvSpPr>
-          <p:nvPr>
-            <p:ph type="ftr" sz="quarter" idx="11"/>
-          </p:nvPr>
-        </p:nvSpPr>
-        <p:spPr/>
-        <p:txBody>
-          <a:bodyPr/>
-          <a:lstStyle/>
-          <a:p>
+            <a:r>
+              <a:rPr lang="de-DE" dirty="0" smtClean="0"/>
+              <a:t>Kainz, Papst, Schalk</a:t>
+            </a:r>
             <a:endParaRPr lang="de-DE" dirty="0"/>
           </a:p>
         </p:txBody>
@@ -3768,18 +3772,40 @@
               <a:rPr lang="de-DE" dirty="0"/>
               <a:t>Wetter</a:t>
             </a:r>
+          </a:p>
+        </p:txBody>
+      </p:sp>
+      <p:sp>
+        <p:nvSpPr>
+          <p:cNvPr id="2" name="Datumsplatzhalter 1"/>
+          <p:cNvSpPr>
+            <a:spLocks noGrp="1"/>
+          </p:cNvSpPr>
+          <p:nvPr>
+            <p:ph type="dt" sz="half" idx="10"/>
+          </p:nvPr>
+        </p:nvSpPr>
+        <p:spPr/>
+        <p:txBody>
+          <a:bodyPr/>
+          <a:lstStyle/>
+          <a:p>
+            <a:r>
+              <a:rPr lang="de-DE" dirty="0" smtClean="0"/>
+              <a:t>02.07.2016</a:t>
+            </a:r>
             <a:endParaRPr lang="de-DE" dirty="0"/>
           </a:p>
         </p:txBody>
       </p:sp>
       <p:sp>
         <p:nvSpPr>
-          <p:cNvPr id="2" name="Datumsplatzhalter 1"/>
-          <p:cNvSpPr>
-            <a:spLocks noGrp="1"/>
-          </p:cNvSpPr>
-          <p:nvPr>
-            <p:ph type="dt" sz="half" idx="10"/>
+          <p:cNvPr id="4" name="Fußzeilenplatzhalter 3"/>
+          <p:cNvSpPr>
+            <a:spLocks noGrp="1"/>
+          </p:cNvSpPr>
+          <p:nvPr>
+            <p:ph type="ftr" sz="quarter" idx="11"/>
           </p:nvPr>
         </p:nvSpPr>
         <p:spPr/>
@@ -3787,25 +3813,10 @@
           <a:bodyPr/>
           <a:lstStyle/>
           <a:p>
-            <a:endParaRPr lang="de-DE" dirty="0"/>
-          </a:p>
-        </p:txBody>
-      </p:sp>
-      <p:sp>
-        <p:nvSpPr>
-          <p:cNvPr id="4" name="Fußzeilenplatzhalter 3"/>
-          <p:cNvSpPr>
-            <a:spLocks noGrp="1"/>
-          </p:cNvSpPr>
-          <p:nvPr>
-            <p:ph type="ftr" sz="quarter" idx="11"/>
-          </p:nvPr>
-        </p:nvSpPr>
-        <p:spPr/>
-        <p:txBody>
-          <a:bodyPr/>
-          <a:lstStyle/>
-          <a:p>
+            <a:r>
+              <a:rPr lang="de-DE" dirty="0"/>
+              <a:t>Kainz, Papst, Schalk</a:t>
+            </a:r>
             <a:endParaRPr lang="de-DE" dirty="0"/>
           </a:p>
         </p:txBody>
@@ -3944,6 +3955,10 @@
           <a:bodyPr/>
           <a:lstStyle/>
           <a:p>
+            <a:r>
+              <a:rPr lang="de-DE" dirty="0" smtClean="0"/>
+              <a:t>02.07.2016</a:t>
+            </a:r>
             <a:endParaRPr lang="de-DE" dirty="0"/>
           </a:p>
         </p:txBody>
@@ -3963,6 +3978,14 @@
           <a:bodyPr/>
           <a:lstStyle/>
           <a:p>
+            <a:r>
+              <a:rPr lang="de-DE" dirty="0"/>
+              <a:t>Kainz, Papst, </a:t>
+            </a:r>
+            <a:r>
+              <a:rPr lang="de-DE" dirty="0" smtClean="0"/>
+              <a:t>Schalk</a:t>
+            </a:r>
             <a:endParaRPr lang="de-DE" dirty="0"/>
           </a:p>
         </p:txBody>
@@ -4092,8 +4115,8 @@
           <a:lstStyle/>
           <a:p>
             <a:r>
-              <a:rPr lang="de-DE" smtClean="0"/>
-              <a:t>Datum</a:t>
+              <a:rPr lang="de-DE" dirty="0" smtClean="0"/>
+              <a:t>02.07.2016</a:t>
             </a:r>
             <a:endParaRPr lang="de-DE" dirty="0"/>
           </a:p>
@@ -4115,8 +4138,8 @@
           <a:lstStyle/>
           <a:p>
             <a:r>
-              <a:rPr lang="de-DE" smtClean="0"/>
-              <a:t>Autor, etc</a:t>
+              <a:rPr lang="de-DE" dirty="0"/>
+              <a:t>Kainz, Papst, Schalk</a:t>
             </a:r>
             <a:endParaRPr lang="de-DE" dirty="0"/>
           </a:p>

--- a/doc/moodle_presentation.pptx
+++ b/doc/moodle_presentation.pptx
@@ -5,18 +5,19 @@
     <p:sldMasterId id="2147483648" r:id="rId1"/>
   </p:sldMasterIdLst>
   <p:notesMasterIdLst>
-    <p:notesMasterId r:id="rId8"/>
+    <p:notesMasterId r:id="rId9"/>
   </p:notesMasterIdLst>
   <p:handoutMasterIdLst>
-    <p:handoutMasterId r:id="rId9"/>
+    <p:handoutMasterId r:id="rId10"/>
   </p:handoutMasterIdLst>
   <p:sldIdLst>
     <p:sldId id="256" r:id="rId2"/>
     <p:sldId id="257" r:id="rId3"/>
     <p:sldId id="262" r:id="rId4"/>
     <p:sldId id="263" r:id="rId5"/>
-    <p:sldId id="265" r:id="rId6"/>
-    <p:sldId id="261" r:id="rId7"/>
+    <p:sldId id="266" r:id="rId6"/>
+    <p:sldId id="265" r:id="rId7"/>
+    <p:sldId id="261" r:id="rId8"/>
   </p:sldIdLst>
   <p:sldSz cx="9144000" cy="6858000" type="screen4x3"/>
   <p:notesSz cx="6858000" cy="9144000"/>
@@ -231,7 +232,7 @@
           <a:p>
             <a:fld id="{92F47466-C257-5E4D-B900-FDF6B78F5F15}" type="datetimeFigureOut">
               <a:rPr lang="de-DE" smtClean="0"/>
-              <a:t>01.07.16</a:t>
+              <a:t>01.07.2016</a:t>
             </a:fld>
             <a:endParaRPr lang="de-DE"/>
           </a:p>
@@ -397,7 +398,7 @@
           <a:p>
             <a:fld id="{7A19BEE0-598C-4858-A439-753E34679212}" type="datetimeFigureOut">
               <a:rPr lang="de-AT" smtClean="0"/>
-              <a:t>01.07.16</a:t>
+              <a:t>01.07.2016</a:t>
             </a:fld>
             <a:endParaRPr lang="de-AT"/>
           </a:p>
@@ -461,35 +462,35 @@
           <a:p>
             <a:pPr lvl="0"/>
             <a:r>
-              <a:rPr lang="de-DE" smtClean="0"/>
+              <a:rPr lang="de-DE"/>
               <a:t>Textmasterformat bearbeiten</a:t>
             </a:r>
           </a:p>
           <a:p>
             <a:pPr lvl="1"/>
             <a:r>
-              <a:rPr lang="de-DE" smtClean="0"/>
+              <a:rPr lang="de-DE"/>
               <a:t>Zweite Ebene</a:t>
             </a:r>
           </a:p>
           <a:p>
             <a:pPr lvl="2"/>
             <a:r>
-              <a:rPr lang="de-DE" smtClean="0"/>
+              <a:rPr lang="de-DE"/>
               <a:t>Dritte Ebene</a:t>
             </a:r>
           </a:p>
           <a:p>
             <a:pPr lvl="3"/>
             <a:r>
-              <a:rPr lang="de-DE" smtClean="0"/>
+              <a:rPr lang="de-DE"/>
               <a:t>Vierte Ebene</a:t>
             </a:r>
           </a:p>
           <a:p>
             <a:pPr lvl="4"/>
             <a:r>
-              <a:rPr lang="de-DE" smtClean="0"/>
+              <a:rPr lang="de-DE"/>
               <a:t>Fünfte Ebene</a:t>
             </a:r>
             <a:endParaRPr lang="de-AT"/>
@@ -777,7 +778,7 @@
           <a:p>
             <a:pPr lvl="0"/>
             <a:r>
-              <a:rPr lang="de-DE" dirty="0" smtClean="0"/>
+              <a:rPr lang="de-DE" dirty="0"/>
               <a:t>Unterüberschrift (Georgia 32pt kursiv)</a:t>
             </a:r>
           </a:p>
@@ -812,7 +813,7 @@
           </a:lstStyle>
           <a:p>
             <a:r>
-              <a:rPr lang="de-AT" dirty="0" smtClean="0"/>
+              <a:rPr lang="de-AT" dirty="0"/>
               <a:t>Überschrift (Calibri 40pt)</a:t>
             </a:r>
             <a:endParaRPr lang="de-DE" dirty="0"/>
@@ -869,7 +870,7 @@
           </a:lstStyle>
           <a:p>
             <a:r>
-              <a:rPr lang="de-AT" dirty="0" smtClean="0"/>
+              <a:rPr lang="de-AT" dirty="0"/>
               <a:t>Überschrift (Calibri 40pt)</a:t>
             </a:r>
             <a:endParaRPr lang="de-DE" dirty="0"/>
@@ -924,7 +925,7 @@
           <a:p>
             <a:pPr lvl="0"/>
             <a:r>
-              <a:rPr lang="de-DE" dirty="0" smtClean="0"/>
+              <a:rPr lang="de-DE" dirty="0"/>
               <a:t>Unterüberschrift (Georgia 32pt kursiv)</a:t>
             </a:r>
           </a:p>
@@ -984,14 +985,14 @@
           <a:p>
             <a:pPr lvl="0"/>
             <a:r>
-              <a:rPr lang="de-AT" dirty="0" smtClean="0"/>
+              <a:rPr lang="de-AT" dirty="0"/>
               <a:t>Erste Ebene (32pt)</a:t>
             </a:r>
           </a:p>
           <a:p>
             <a:pPr lvl="1"/>
             <a:r>
-              <a:rPr lang="de-AT" dirty="0" smtClean="0"/>
+              <a:rPr lang="de-AT" dirty="0"/>
               <a:t>Zweite Ebene (24pt)</a:t>
             </a:r>
             <a:endParaRPr lang="de-DE" dirty="0"/>
@@ -1014,10 +1015,9 @@
           <a:lstStyle/>
           <a:p>
             <a:r>
-              <a:rPr lang="de-DE" dirty="0" smtClean="0"/>
+              <a:rPr lang="de-DE" dirty="0"/>
               <a:t>Datum</a:t>
             </a:r>
-            <a:endParaRPr lang="de-DE" dirty="0"/>
           </a:p>
         </p:txBody>
       </p:sp>
@@ -1037,7 +1037,7 @@
           <a:lstStyle/>
           <a:p>
             <a:r>
-              <a:rPr lang="de-DE" smtClean="0"/>
+              <a:rPr lang="de-DE"/>
               <a:t>Autor, etc</a:t>
             </a:r>
             <a:endParaRPr lang="de-DE" dirty="0"/>
@@ -1120,10 +1120,9 @@
           <a:lstStyle/>
           <a:p>
             <a:r>
-              <a:rPr lang="de-AT" dirty="0" smtClean="0"/>
+              <a:rPr lang="de-AT" dirty="0"/>
               <a:t>Überschrift (Calibri 40pt)</a:t>
             </a:r>
-            <a:endParaRPr lang="de-AT" dirty="0"/>
           </a:p>
         </p:txBody>
       </p:sp>
@@ -1177,7 +1176,7 @@
           </a:lstStyle>
           <a:p>
             <a:r>
-              <a:rPr lang="de-AT" dirty="0" smtClean="0"/>
+              <a:rPr lang="de-AT" dirty="0"/>
               <a:t>Überschrift (Calibri 40pt)</a:t>
             </a:r>
             <a:endParaRPr lang="de-DE" dirty="0"/>
@@ -1234,14 +1233,14 @@
           <a:p>
             <a:pPr lvl="0"/>
             <a:r>
-              <a:rPr lang="de-AT" dirty="0" smtClean="0"/>
+              <a:rPr lang="de-AT" dirty="0"/>
               <a:t>Erste Ebene</a:t>
             </a:r>
           </a:p>
           <a:p>
             <a:pPr lvl="1"/>
             <a:r>
-              <a:rPr lang="de-AT" dirty="0" smtClean="0"/>
+              <a:rPr lang="de-AT" dirty="0"/>
               <a:t>Zweite Ebene</a:t>
             </a:r>
           </a:p>
@@ -1297,14 +1296,14 @@
           <a:p>
             <a:pPr lvl="0"/>
             <a:r>
-              <a:rPr lang="de-AT" dirty="0" smtClean="0"/>
+              <a:rPr lang="de-AT" dirty="0"/>
               <a:t>Erste Ebene</a:t>
             </a:r>
           </a:p>
           <a:p>
             <a:pPr lvl="1"/>
             <a:r>
-              <a:rPr lang="de-AT" dirty="0" smtClean="0"/>
+              <a:rPr lang="de-AT" dirty="0"/>
               <a:t>Zweite Ebene</a:t>
             </a:r>
           </a:p>
@@ -1326,7 +1325,7 @@
           <a:lstStyle/>
           <a:p>
             <a:r>
-              <a:rPr lang="de-DE" smtClean="0"/>
+              <a:rPr lang="de-DE"/>
               <a:t>Datum</a:t>
             </a:r>
             <a:endParaRPr lang="de-DE" dirty="0"/>
@@ -1349,7 +1348,7 @@
           <a:lstStyle/>
           <a:p>
             <a:r>
-              <a:rPr lang="de-DE" smtClean="0"/>
+              <a:rPr lang="de-DE"/>
               <a:t>Autor, etc</a:t>
             </a:r>
             <a:endParaRPr lang="de-DE" dirty="0"/>
@@ -1466,7 +1465,7 @@
           </a:lstStyle>
           <a:p>
             <a:r>
-              <a:rPr lang="de-AT" dirty="0" smtClean="0"/>
+              <a:rPr lang="de-AT" dirty="0"/>
               <a:t>Überschrift (Calibri 40pt)</a:t>
             </a:r>
             <a:endParaRPr lang="de-DE" dirty="0"/>
@@ -1489,7 +1488,7 @@
           <a:lstStyle/>
           <a:p>
             <a:r>
-              <a:rPr lang="de-DE" smtClean="0"/>
+              <a:rPr lang="de-DE"/>
               <a:t>Datum</a:t>
             </a:r>
             <a:endParaRPr lang="de-DE" dirty="0"/>
@@ -1512,7 +1511,7 @@
           <a:lstStyle/>
           <a:p>
             <a:r>
-              <a:rPr lang="de-DE" smtClean="0"/>
+              <a:rPr lang="de-DE"/>
               <a:t>Autor, etc</a:t>
             </a:r>
             <a:endParaRPr lang="de-DE" dirty="0"/>
@@ -1629,7 +1628,7 @@
           </a:lstStyle>
           <a:p>
             <a:r>
-              <a:rPr lang="de-AT" dirty="0" smtClean="0"/>
+              <a:rPr lang="de-AT" dirty="0"/>
               <a:t>Überschrift (Calibri 40pt)</a:t>
             </a:r>
             <a:endParaRPr lang="de-DE" dirty="0"/>
@@ -1697,7 +1696,7 @@
           <a:p>
             <a:pPr lvl="0"/>
             <a:r>
-              <a:rPr lang="de-AT" dirty="0" smtClean="0"/>
+              <a:rPr lang="de-AT" dirty="0"/>
               <a:t>Unterüberschrift (32pt)</a:t>
             </a:r>
           </a:p>
@@ -1753,14 +1752,14 @@
           <a:p>
             <a:pPr lvl="0"/>
             <a:r>
-              <a:rPr lang="de-AT" dirty="0" smtClean="0"/>
+              <a:rPr lang="de-AT" dirty="0"/>
               <a:t>Erste Ebene (32pt)</a:t>
             </a:r>
           </a:p>
           <a:p>
             <a:pPr lvl="1"/>
             <a:r>
-              <a:rPr lang="de-AT" dirty="0" smtClean="0"/>
+              <a:rPr lang="de-AT" dirty="0"/>
               <a:t>Zweite Ebene (24pt)</a:t>
             </a:r>
             <a:endParaRPr lang="de-DE" dirty="0"/>
@@ -1828,7 +1827,7 @@
           <a:p>
             <a:pPr lvl="0"/>
             <a:r>
-              <a:rPr lang="de-AT" dirty="0" smtClean="0"/>
+              <a:rPr lang="de-AT" dirty="0"/>
               <a:t>Unterüberschrift (32pt)</a:t>
             </a:r>
           </a:p>
@@ -1884,14 +1883,14 @@
           <a:p>
             <a:pPr lvl="0"/>
             <a:r>
-              <a:rPr lang="de-AT" dirty="0" smtClean="0"/>
+              <a:rPr lang="de-AT" dirty="0"/>
               <a:t>Erste Ebene (32pt)</a:t>
             </a:r>
           </a:p>
           <a:p>
             <a:pPr lvl="1"/>
             <a:r>
-              <a:rPr lang="de-AT" dirty="0" smtClean="0"/>
+              <a:rPr lang="de-AT" dirty="0"/>
               <a:t>Zweite Ebene (24pt)</a:t>
             </a:r>
             <a:endParaRPr lang="de-DE" dirty="0"/>
@@ -1914,7 +1913,7 @@
           <a:lstStyle/>
           <a:p>
             <a:r>
-              <a:rPr lang="de-DE" smtClean="0"/>
+              <a:rPr lang="de-DE"/>
               <a:t>Datum</a:t>
             </a:r>
             <a:endParaRPr lang="de-DE" dirty="0"/>
@@ -1937,7 +1936,7 @@
           <a:lstStyle/>
           <a:p>
             <a:r>
-              <a:rPr lang="de-DE" smtClean="0"/>
+              <a:rPr lang="de-DE"/>
               <a:t>Autor, etc</a:t>
             </a:r>
             <a:endParaRPr lang="de-DE" dirty="0"/>
@@ -2096,7 +2095,7 @@
           <a:lstStyle/>
           <a:p>
             <a:r>
-              <a:rPr lang="de-DE" smtClean="0"/>
+              <a:rPr lang="de-DE"/>
               <a:t>Datum</a:t>
             </a:r>
             <a:endParaRPr lang="de-DE" dirty="0"/>
@@ -2119,7 +2118,7 @@
           <a:lstStyle/>
           <a:p>
             <a:r>
-              <a:rPr lang="de-DE" smtClean="0"/>
+              <a:rPr lang="de-DE"/>
               <a:t>Autor, etc</a:t>
             </a:r>
             <a:endParaRPr lang="de-DE" dirty="0"/>
@@ -2205,15 +2204,15 @@
           </a:lstStyle>
           <a:p>
             <a:r>
-              <a:rPr lang="de-AT" dirty="0" smtClean="0"/>
+              <a:rPr lang="de-AT" dirty="0"/>
               <a:t>Titel (20pt, </a:t>
             </a:r>
             <a:r>
-              <a:rPr lang="de-AT" dirty="0" err="1" smtClean="0"/>
+              <a:rPr lang="de-AT" dirty="0" err="1"/>
               <a:t>bold</a:t>
             </a:r>
             <a:r>
-              <a:rPr lang="de-AT" dirty="0" smtClean="0"/>
+              <a:rPr lang="de-AT" dirty="0"/>
               <a:t>)</a:t>
             </a:r>
             <a:endParaRPr lang="de-DE" dirty="0"/>
@@ -2270,14 +2269,14 @@
           <a:p>
             <a:pPr lvl="0"/>
             <a:r>
-              <a:rPr lang="de-AT" dirty="0" smtClean="0"/>
+              <a:rPr lang="de-AT" dirty="0"/>
               <a:t>Erste Ebene (32pt)</a:t>
             </a:r>
           </a:p>
           <a:p>
             <a:pPr lvl="1"/>
             <a:r>
-              <a:rPr lang="de-AT" dirty="0" smtClean="0"/>
+              <a:rPr lang="de-AT" dirty="0"/>
               <a:t>Zweite Ebene (24pt)</a:t>
             </a:r>
             <a:endParaRPr lang="de-DE" dirty="0"/>
@@ -2343,7 +2342,7 @@
           <a:p>
             <a:pPr lvl="0"/>
             <a:r>
-              <a:rPr lang="de-AT" dirty="0" smtClean="0"/>
+              <a:rPr lang="de-AT" dirty="0"/>
               <a:t>Inhalte (14pt)</a:t>
             </a:r>
           </a:p>
@@ -2365,7 +2364,7 @@
           <a:lstStyle/>
           <a:p>
             <a:r>
-              <a:rPr lang="de-DE" smtClean="0"/>
+              <a:rPr lang="de-DE"/>
               <a:t>Datum</a:t>
             </a:r>
             <a:endParaRPr lang="de-DE" dirty="0"/>
@@ -2388,7 +2387,7 @@
           <a:lstStyle/>
           <a:p>
             <a:r>
-              <a:rPr lang="de-DE" smtClean="0"/>
+              <a:rPr lang="de-DE"/>
               <a:t>Autor, etc</a:t>
             </a:r>
             <a:endParaRPr lang="de-DE" dirty="0"/>
@@ -2510,15 +2509,15 @@
           </a:lstStyle>
           <a:p>
             <a:r>
-              <a:rPr lang="de-AT" dirty="0" smtClean="0"/>
+              <a:rPr lang="de-AT" dirty="0"/>
               <a:t>Bildtitel (20pt, </a:t>
             </a:r>
             <a:r>
-              <a:rPr lang="de-AT" dirty="0" err="1" smtClean="0"/>
+              <a:rPr lang="de-AT" dirty="0" err="1"/>
               <a:t>bold</a:t>
             </a:r>
             <a:r>
-              <a:rPr lang="de-AT" dirty="0" smtClean="0"/>
+              <a:rPr lang="de-AT" dirty="0"/>
               <a:t>)</a:t>
             </a:r>
             <a:endParaRPr lang="de-DE" dirty="0"/>
@@ -2645,7 +2644,7 @@
           <a:p>
             <a:pPr lvl="0"/>
             <a:r>
-              <a:rPr lang="de-AT" dirty="0" smtClean="0"/>
+              <a:rPr lang="de-AT" dirty="0"/>
               <a:t>Bildbeschreibung (14pt)</a:t>
             </a:r>
           </a:p>
@@ -2667,7 +2666,7 @@
           <a:lstStyle/>
           <a:p>
             <a:r>
-              <a:rPr lang="de-DE" smtClean="0"/>
+              <a:rPr lang="de-DE"/>
               <a:t>Datum</a:t>
             </a:r>
             <a:endParaRPr lang="de-DE" dirty="0"/>
@@ -2690,7 +2689,7 @@
           <a:lstStyle/>
           <a:p>
             <a:r>
-              <a:rPr lang="de-DE" smtClean="0"/>
+              <a:rPr lang="de-DE"/>
               <a:t>Autor, etc</a:t>
             </a:r>
             <a:endParaRPr lang="de-DE" dirty="0"/>
@@ -2818,7 +2817,7 @@
           <a:lstStyle/>
           <a:p>
             <a:r>
-              <a:rPr lang="de-AT" dirty="0" smtClean="0"/>
+              <a:rPr lang="de-AT" dirty="0"/>
               <a:t>Überschrift (Calibri 40pt)</a:t>
             </a:r>
             <a:endParaRPr lang="de-DE" dirty="0"/>
@@ -2852,14 +2851,14 @@
           <a:p>
             <a:pPr lvl="0"/>
             <a:r>
-              <a:rPr lang="de-AT" dirty="0" smtClean="0"/>
+              <a:rPr lang="de-AT" dirty="0"/>
               <a:t>Erste Ebene (Calibri 32pt)</a:t>
             </a:r>
           </a:p>
           <a:p>
             <a:pPr lvl="1"/>
             <a:r>
-              <a:rPr lang="de-AT" dirty="0" smtClean="0"/>
+              <a:rPr lang="de-AT" dirty="0"/>
               <a:t>Zweite Ebene (Calibri 24pt)</a:t>
             </a:r>
           </a:p>
@@ -2888,7 +2887,7 @@
           <a:lstStyle/>
           <a:p>
             <a:r>
-              <a:rPr lang="de-DE" sz="1100" dirty="0" err="1" smtClean="0"/>
+              <a:rPr lang="de-DE" sz="1100" dirty="0" err="1"/>
               <a:t>www.fh-joanneum.at</a:t>
             </a:r>
             <a:endParaRPr lang="de-DE" sz="1100" i="1" dirty="0">
@@ -2962,7 +2961,7 @@
           <a:lstStyle/>
           <a:p>
             <a:r>
-              <a:rPr lang="de-AT" sz="1400" dirty="0" smtClean="0">
+              <a:rPr lang="de-AT" sz="1400" dirty="0">
                 <a:solidFill>
                   <a:srgbClr val="76B82A"/>
                 </a:solidFill>
@@ -2972,7 +2971,7 @@
               <a:t>APPLIED</a:t>
             </a:r>
             <a:r>
-              <a:rPr lang="de-AT" sz="1400" baseline="0" dirty="0" smtClean="0">
+              <a:rPr lang="de-AT" sz="1400" baseline="0" dirty="0">
                 <a:solidFill>
                   <a:srgbClr val="76B82A"/>
                 </a:solidFill>
@@ -3023,7 +3022,7 @@
           </a:lstStyle>
           <a:p>
             <a:r>
-              <a:rPr lang="de-DE" smtClean="0"/>
+              <a:rPr lang="de-DE"/>
               <a:t>Datum</a:t>
             </a:r>
             <a:endParaRPr lang="de-DE" dirty="0"/>
@@ -3062,7 +3061,7 @@
           </a:lstStyle>
           <a:p>
             <a:r>
-              <a:rPr lang="de-DE" smtClean="0"/>
+              <a:rPr lang="de-DE"/>
               <a:t>Autor, etc</a:t>
             </a:r>
             <a:endParaRPr lang="de-DE" dirty="0"/>
@@ -3420,16 +3419,12 @@
           <a:lstStyle/>
           <a:p>
             <a:r>
-              <a:rPr lang="de-AT" smtClean="0"/>
+              <a:rPr lang="de-AT"/>
               <a:t>Patrick </a:t>
             </a:r>
             <a:r>
-              <a:rPr lang="de-AT" dirty="0" smtClean="0"/>
-              <a:t>Kainz, Patrick Papst, </a:t>
-            </a:r>
-            <a:r>
               <a:rPr lang="de-AT" dirty="0"/>
-              <a:t>Markus Schalk</a:t>
+              <a:t>Kainz, Patrick Papst, Markus Schalk</a:t>
             </a:r>
           </a:p>
         </p:txBody>
@@ -3450,14 +3445,17 @@
           <a:lstStyle/>
           <a:p>
             <a:r>
-              <a:rPr lang="de-AT" dirty="0" smtClean="0"/>
+              <a:rPr lang="de-AT" dirty="0"/>
               <a:t>Projekt </a:t>
             </a:r>
             <a:r>
-              <a:rPr lang="de-AT" dirty="0" smtClean="0"/>
-              <a:t>Liveticker - RIA</a:t>
-            </a:r>
-            <a:endParaRPr lang="de-AT" dirty="0"/>
+              <a:rPr lang="de-AT" dirty="0" err="1"/>
+              <a:t>Moodle</a:t>
+            </a:r>
+            <a:r>
+              <a:rPr lang="de-AT" dirty="0"/>
+              <a:t> - RIA</a:t>
+            </a:r>
           </a:p>
         </p:txBody>
       </p:sp>
@@ -3471,13 +3469,6 @@
   <p:clrMapOvr>
     <a:masterClrMapping/>
   </p:clrMapOvr>
-  <p:timing>
-    <p:tnLst>
-      <p:par>
-        <p:cTn id="1" dur="indefinite" restart="never" nodeType="tmRoot"/>
-      </p:par>
-    </p:tnLst>
-  </p:timing>
 </p:sld>
 </file>
 
@@ -3514,22 +3505,27 @@
           <a:lstStyle/>
           <a:p>
             <a:r>
-              <a:rPr lang="de-DE" dirty="0" smtClean="0"/>
+              <a:rPr lang="de-DE" dirty="0"/>
               <a:t>Übersicht</a:t>
             </a:r>
           </a:p>
           <a:p>
             <a:r>
-              <a:rPr lang="de-DE" dirty="0" smtClean="0"/>
+              <a:rPr lang="de-DE" dirty="0"/>
               <a:t>Verwendete Technologien</a:t>
             </a:r>
           </a:p>
           <a:p>
             <a:r>
-              <a:rPr lang="de-DE" dirty="0" smtClean="0"/>
+              <a:rPr lang="de-DE" dirty="0"/>
+              <a:t>Architektur</a:t>
+            </a:r>
+          </a:p>
+          <a:p>
+            <a:r>
+              <a:rPr lang="de-DE" dirty="0"/>
               <a:t>Live Demo</a:t>
             </a:r>
-            <a:endParaRPr lang="de-DE" dirty="0"/>
           </a:p>
         </p:txBody>
       </p:sp>
@@ -3549,10 +3545,9 @@
           <a:lstStyle/>
           <a:p>
             <a:r>
-              <a:rPr lang="de-DE" dirty="0" smtClean="0"/>
+              <a:rPr lang="de-DE" dirty="0"/>
               <a:t>02.07.2016</a:t>
             </a:r>
-            <a:endParaRPr lang="de-DE" dirty="0"/>
           </a:p>
         </p:txBody>
       </p:sp>
@@ -3572,10 +3567,9 @@
           <a:lstStyle/>
           <a:p>
             <a:r>
-              <a:rPr lang="de-DE" dirty="0" smtClean="0"/>
+              <a:rPr lang="de-DE" dirty="0"/>
               <a:t>Kainz, Papst, Schalk</a:t>
             </a:r>
-            <a:endParaRPr lang="de-DE" dirty="0"/>
           </a:p>
         </p:txBody>
       </p:sp>
@@ -3619,10 +3613,9 @@
           <a:lstStyle/>
           <a:p>
             <a:r>
-              <a:rPr lang="de-AT" dirty="0" smtClean="0"/>
+              <a:rPr lang="de-AT" dirty="0"/>
               <a:t>Agenda</a:t>
             </a:r>
-            <a:endParaRPr lang="de-AT" dirty="0"/>
           </a:p>
         </p:txBody>
       </p:sp>
@@ -3636,13 +3629,6 @@
   <p:clrMapOvr>
     <a:masterClrMapping/>
   </p:clrMapOvr>
-  <p:timing>
-    <p:tnLst>
-      <p:par>
-        <p:cTn id="1" dur="indefinite" restart="never" nodeType="tmRoot"/>
-      </p:par>
-    </p:tnLst>
-  </p:timing>
 </p:sld>
 </file>
 
@@ -3681,120 +3667,79 @@
           <a:lstStyle/>
           <a:p>
             <a:r>
-              <a:rPr lang="de-DE" dirty="0" smtClean="0"/>
-              <a:t>Anmeldung </a:t>
-            </a:r>
-            <a:r>
               <a:rPr lang="de-DE" dirty="0"/>
-              <a:t>am </a:t>
-            </a:r>
-            <a:r>
-              <a:rPr lang="de-DE" dirty="0" err="1" smtClean="0"/>
+              <a:t>Anmeldung am </a:t>
+            </a:r>
+            <a:r>
+              <a:rPr lang="de-DE" dirty="0" err="1"/>
               <a:t>moodle</a:t>
             </a:r>
-            <a:endParaRPr lang="de-DE" dirty="0" smtClean="0"/>
-          </a:p>
-          <a:p>
-            <a:r>
-              <a:rPr lang="de-DE" dirty="0" smtClean="0"/>
-              <a:t>Alle </a:t>
-            </a:r>
+            <a:endParaRPr lang="de-DE" dirty="0"/>
+          </a:p>
+          <a:p>
             <a:r>
               <a:rPr lang="de-DE" dirty="0"/>
-              <a:t>Kurse anzeigen </a:t>
-            </a:r>
-            <a:r>
-              <a:rPr lang="de-DE" dirty="0" smtClean="0"/>
-              <a:t>in denen </a:t>
-            </a:r>
+              <a:t>Alle Kurse anzeigen in denen der Nutzer eingeschrieben ist</a:t>
+            </a:r>
+          </a:p>
+          <a:p>
             <a:r>
               <a:rPr lang="de-DE" dirty="0"/>
-              <a:t>der Nutzer eingeschrieben </a:t>
-            </a:r>
-            <a:r>
-              <a:rPr lang="de-DE" dirty="0" smtClean="0"/>
-              <a:t>ist</a:t>
-            </a:r>
-          </a:p>
-          <a:p>
-            <a:r>
-              <a:rPr lang="de-DE" dirty="0" smtClean="0"/>
-              <a:t>Alle </a:t>
-            </a:r>
+              <a:t>Alle Dateien und Abgaben im Kurs für Nutzer anzeigen</a:t>
+            </a:r>
+          </a:p>
+          <a:p>
             <a:r>
               <a:rPr lang="de-DE" dirty="0"/>
-              <a:t>Dateien und Abgaben im Kurs für Nutzer </a:t>
-            </a:r>
-            <a:r>
-              <a:rPr lang="de-DE" dirty="0" smtClean="0"/>
-              <a:t>anzeigen</a:t>
-            </a:r>
-          </a:p>
-          <a:p>
-            <a:r>
-              <a:rPr lang="de-DE" dirty="0" smtClean="0"/>
               <a:t>Dateien runterladen</a:t>
             </a:r>
           </a:p>
           <a:p>
             <a:r>
-              <a:rPr lang="de-DE" dirty="0" smtClean="0"/>
+              <a:rPr lang="de-DE" dirty="0"/>
               <a:t>Notenübersicht</a:t>
             </a:r>
           </a:p>
           <a:p>
             <a:r>
-              <a:rPr lang="de-DE" dirty="0" err="1" smtClean="0"/>
+              <a:rPr lang="de-DE" dirty="0" err="1"/>
               <a:t>Kalendarübersicht</a:t>
             </a:r>
-            <a:endParaRPr lang="de-DE" dirty="0" smtClean="0"/>
-          </a:p>
-          <a:p>
-            <a:r>
-              <a:rPr lang="de-DE" dirty="0" smtClean="0"/>
+            <a:endParaRPr lang="de-DE" dirty="0"/>
+          </a:p>
+          <a:p>
+            <a:r>
+              <a:rPr lang="de-DE" dirty="0"/>
               <a:t>Offline-Fähigkeit</a:t>
             </a:r>
           </a:p>
           <a:p>
             <a:r>
-              <a:rPr lang="de-DE" dirty="0" smtClean="0"/>
-              <a:t>Lernmotivationsanzeige </a:t>
-            </a:r>
-            <a:r>
               <a:rPr lang="de-DE" dirty="0"/>
-              <a:t>abhängig </a:t>
-            </a:r>
-            <a:r>
-              <a:rPr lang="de-DE" dirty="0" smtClean="0"/>
-              <a:t>von gutem/schlechtem </a:t>
-            </a:r>
+              <a:t>Lernmotivationsanzeige abhängig von gutem/schlechtem Wetter</a:t>
+            </a:r>
+          </a:p>
+        </p:txBody>
+      </p:sp>
+      <p:sp>
+        <p:nvSpPr>
+          <p:cNvPr id="2" name="Datumsplatzhalter 1"/>
+          <p:cNvSpPr>
+            <a:spLocks noGrp="1"/>
+          </p:cNvSpPr>
+          <p:nvPr>
+            <p:ph type="dt" sz="half" idx="10"/>
+          </p:nvPr>
+        </p:nvSpPr>
+        <p:spPr/>
+        <p:txBody>
+          <a:bodyPr/>
+          <a:lstStyle/>
+          <a:p>
             <a:r>
               <a:rPr lang="de-DE" dirty="0"/>
-              <a:t>Wetter</a:t>
-            </a:r>
-          </a:p>
-        </p:txBody>
-      </p:sp>
-      <p:sp>
-        <p:nvSpPr>
-          <p:cNvPr id="2" name="Datumsplatzhalter 1"/>
-          <p:cNvSpPr>
-            <a:spLocks noGrp="1"/>
-          </p:cNvSpPr>
-          <p:nvPr>
-            <p:ph type="dt" sz="half" idx="10"/>
-          </p:nvPr>
-        </p:nvSpPr>
-        <p:spPr/>
-        <p:txBody>
-          <a:bodyPr/>
-          <a:lstStyle/>
-          <a:p>
-            <a:r>
-              <a:rPr lang="de-DE" dirty="0" smtClean="0"/>
               <a:t>02.07.2016</a:t>
             </a:r>
-            <a:endParaRPr lang="de-DE" dirty="0"/>
           </a:p>
         </p:txBody>
       </p:sp>
@@ -3817,7 +3762,6 @@
               <a:rPr lang="de-DE" dirty="0"/>
               <a:t>Kainz, Papst, Schalk</a:t>
             </a:r>
-            <a:endParaRPr lang="de-DE" dirty="0"/>
           </a:p>
         </p:txBody>
       </p:sp>
@@ -3861,10 +3805,9 @@
           <a:lstStyle/>
           <a:p>
             <a:r>
-              <a:rPr lang="de-AT" dirty="0" smtClean="0"/>
+              <a:rPr lang="de-AT" dirty="0"/>
               <a:t>Übersicht</a:t>
             </a:r>
-            <a:endParaRPr lang="de-AT" dirty="0"/>
           </a:p>
         </p:txBody>
       </p:sp>
@@ -3878,13 +3821,6 @@
   <p:clrMapOvr>
     <a:masterClrMapping/>
   </p:clrMapOvr>
-  <p:timing>
-    <p:tnLst>
-      <p:par>
-        <p:cTn id="1" dur="indefinite" restart="never" nodeType="tmRoot"/>
-      </p:par>
-    </p:tnLst>
-  </p:timing>
 </p:sld>
 </file>
 
@@ -3921,22 +3857,22 @@
           <a:lstStyle/>
           <a:p>
             <a:r>
-              <a:rPr lang="de-DE" dirty="0" smtClean="0"/>
+              <a:rPr lang="de-DE" dirty="0"/>
               <a:t>HTML5</a:t>
             </a:r>
           </a:p>
           <a:p>
             <a:r>
-              <a:rPr lang="de-DE" dirty="0" smtClean="0"/>
+              <a:rPr lang="de-DE" dirty="0"/>
               <a:t>CSS3, SASS</a:t>
             </a:r>
           </a:p>
           <a:p>
             <a:r>
-              <a:rPr lang="de-DE" dirty="0" err="1" smtClean="0"/>
+              <a:rPr lang="de-DE" dirty="0" err="1"/>
               <a:t>Git</a:t>
             </a:r>
-            <a:endParaRPr lang="de-DE" dirty="0" smtClean="0"/>
+            <a:endParaRPr lang="de-DE" dirty="0"/>
           </a:p>
         </p:txBody>
       </p:sp>
@@ -3956,10 +3892,9 @@
           <a:lstStyle/>
           <a:p>
             <a:r>
-              <a:rPr lang="de-DE" dirty="0" smtClean="0"/>
+              <a:rPr lang="de-DE" dirty="0"/>
               <a:t>02.07.2016</a:t>
             </a:r>
-            <a:endParaRPr lang="de-DE" dirty="0"/>
           </a:p>
         </p:txBody>
       </p:sp>
@@ -3980,13 +3915,8 @@
           <a:p>
             <a:r>
               <a:rPr lang="de-DE" dirty="0"/>
-              <a:t>Kainz, Papst, </a:t>
-            </a:r>
-            <a:r>
-              <a:rPr lang="de-DE" dirty="0" smtClean="0"/>
-              <a:t>Schalk</a:t>
-            </a:r>
-            <a:endParaRPr lang="de-DE" dirty="0"/>
+              <a:t>Kainz, Papst, Schalk</a:t>
+            </a:r>
           </a:p>
         </p:txBody>
       </p:sp>
@@ -4030,10 +3960,9 @@
           <a:lstStyle/>
           <a:p>
             <a:r>
-              <a:rPr lang="de-AT" dirty="0" smtClean="0"/>
+              <a:rPr lang="de-AT" dirty="0"/>
               <a:t>Verwendete Technologien</a:t>
             </a:r>
-            <a:endParaRPr lang="de-AT" dirty="0"/>
           </a:p>
         </p:txBody>
       </p:sp>
@@ -4047,13 +3976,6 @@
   <p:clrMapOvr>
     <a:masterClrMapping/>
   </p:clrMapOvr>
-  <p:timing>
-    <p:tnLst>
-      <p:par>
-        <p:cTn id="1" dur="indefinite" restart="never" nodeType="tmRoot"/>
-      </p:par>
-    </p:tnLst>
-  </p:timing>
 </p:sld>
 </file>
 
@@ -4074,31 +3996,29 @@
           <a:chExt cx="0" cy="0"/>
         </a:xfrm>
       </p:grpSpPr>
-      <p:sp>
-        <p:nvSpPr>
-          <p:cNvPr id="2" name="Inhaltsplatzhalter 1"/>
-          <p:cNvSpPr>
-            <a:spLocks noGrp="1"/>
-          </p:cNvSpPr>
+      <p:pic>
+        <p:nvPicPr>
+          <p:cNvPr id="7" name="Inhaltsplatzhalter 6"/>
+          <p:cNvPicPr>
+            <a:picLocks noGrp="1" noChangeAspect="1"/>
+          </p:cNvPicPr>
           <p:nvPr>
             <p:ph idx="1"/>
           </p:nvPr>
-        </p:nvSpPr>
-        <p:spPr/>
-        <p:txBody>
-          <a:bodyPr/>
-          <a:lstStyle/>
-          <a:p>
-            <a:r>
-              <a:rPr lang="de-DE" dirty="0" smtClean="0">
-                <a:hlinkClick r:id="rId2"/>
-              </a:rPr>
-              <a:t>http://localhost:8080</a:t>
-            </a:r>
-            <a:endParaRPr lang="de-DE" dirty="0"/>
-          </a:p>
-        </p:txBody>
-      </p:sp>
+        </p:nvPicPr>
+        <p:blipFill>
+          <a:blip r:embed="rId2"/>
+          <a:stretch>
+            <a:fillRect/>
+          </a:stretch>
+        </p:blipFill>
+        <p:spPr>
+          <a:xfrm>
+            <a:off x="1846777" y="1890681"/>
+            <a:ext cx="4891778" cy="4459112"/>
+          </a:xfrm>
+        </p:spPr>
+      </p:pic>
       <p:sp>
         <p:nvSpPr>
           <p:cNvPr id="3" name="Datumsplatzhalter 2"/>
@@ -4115,10 +4035,9 @@
           <a:lstStyle/>
           <a:p>
             <a:r>
-              <a:rPr lang="de-DE" dirty="0" smtClean="0"/>
+              <a:rPr lang="de-DE" dirty="0"/>
               <a:t>02.07.2016</a:t>
             </a:r>
-            <a:endParaRPr lang="de-DE" dirty="0"/>
           </a:p>
         </p:txBody>
       </p:sp>
@@ -4141,7 +4060,6 @@
               <a:rPr lang="de-DE" dirty="0"/>
               <a:t>Kainz, Papst, Schalk</a:t>
             </a:r>
-            <a:endParaRPr lang="de-DE" dirty="0"/>
           </a:p>
         </p:txBody>
       </p:sp>
@@ -4185,30 +4103,22 @@
           <a:lstStyle/>
           <a:p>
             <a:r>
-              <a:rPr lang="de-DE" dirty="0" smtClean="0"/>
-              <a:t>Live Demo</a:t>
-            </a:r>
-            <a:endParaRPr lang="de-DE" dirty="0"/>
+              <a:rPr lang="de-DE" dirty="0"/>
+              <a:t>Architektur</a:t>
+            </a:r>
           </a:p>
         </p:txBody>
       </p:sp>
     </p:spTree>
     <p:extLst>
       <p:ext uri="{BB962C8B-B14F-4D97-AF65-F5344CB8AC3E}">
-        <p14:creationId xmlns:p14="http://schemas.microsoft.com/office/powerpoint/2010/main" val="2701905518"/>
+        <p14:creationId xmlns:p14="http://schemas.microsoft.com/office/powerpoint/2010/main" val="3176635362"/>
       </p:ext>
     </p:extLst>
   </p:cSld>
   <p:clrMapOvr>
     <a:masterClrMapping/>
   </p:clrMapOvr>
-  <p:timing>
-    <p:tnLst>
-      <p:par>
-        <p:cTn id="1" dur="indefinite" restart="never" nodeType="tmRoot"/>
-      </p:par>
-    </p:tnLst>
-  </p:timing>
 </p:sld>
 </file>
 
@@ -4231,7 +4141,32 @@
       </p:grpSpPr>
       <p:sp>
         <p:nvSpPr>
-          <p:cNvPr id="5" name="Datumsplatzhalter 4"/>
+          <p:cNvPr id="2" name="Inhaltsplatzhalter 1"/>
+          <p:cNvSpPr>
+            <a:spLocks noGrp="1"/>
+          </p:cNvSpPr>
+          <p:nvPr>
+            <p:ph idx="1"/>
+          </p:nvPr>
+        </p:nvSpPr>
+        <p:spPr/>
+        <p:txBody>
+          <a:bodyPr/>
+          <a:lstStyle/>
+          <a:p>
+            <a:r>
+              <a:rPr lang="de-DE" dirty="0">
+                <a:hlinkClick r:id="rId2"/>
+              </a:rPr>
+              <a:t>http://localhost:8080</a:t>
+            </a:r>
+            <a:endParaRPr lang="de-DE" dirty="0"/>
+          </a:p>
+        </p:txBody>
+      </p:sp>
+      <p:sp>
+        <p:nvSpPr>
+          <p:cNvPr id="3" name="Datumsplatzhalter 2"/>
           <p:cNvSpPr>
             <a:spLocks noGrp="1"/>
           </p:cNvSpPr>
@@ -4245,16 +4180,15 @@
           <a:lstStyle/>
           <a:p>
             <a:r>
-              <a:rPr lang="de-DE" smtClean="0"/>
-              <a:t>Datum</a:t>
-            </a:r>
-            <a:endParaRPr lang="de-DE" dirty="0"/>
-          </a:p>
-        </p:txBody>
-      </p:sp>
-      <p:sp>
-        <p:nvSpPr>
-          <p:cNvPr id="6" name="Fußzeilenplatzhalter 5"/>
+              <a:rPr lang="de-DE" dirty="0"/>
+              <a:t>02.07.2016</a:t>
+            </a:r>
+          </a:p>
+        </p:txBody>
+      </p:sp>
+      <p:sp>
+        <p:nvSpPr>
+          <p:cNvPr id="4" name="Fußzeilenplatzhalter 3"/>
           <p:cNvSpPr>
             <a:spLocks noGrp="1"/>
           </p:cNvSpPr>
@@ -4268,16 +4202,15 @@
           <a:lstStyle/>
           <a:p>
             <a:r>
-              <a:rPr lang="de-DE" smtClean="0"/>
-              <a:t>Autor, etc</a:t>
-            </a:r>
-            <a:endParaRPr lang="de-DE" dirty="0"/>
-          </a:p>
-        </p:txBody>
-      </p:sp>
-      <p:sp>
-        <p:nvSpPr>
-          <p:cNvPr id="7" name="Foliennummernplatzhalter 6"/>
+              <a:rPr lang="de-DE" dirty="0"/>
+              <a:t>Kainz, Papst, Schalk</a:t>
+            </a:r>
+          </a:p>
+        </p:txBody>
+      </p:sp>
+      <p:sp>
+        <p:nvSpPr>
+          <p:cNvPr id="5" name="Foliennummernplatzhalter 4"/>
           <p:cNvSpPr>
             <a:spLocks noGrp="1"/>
           </p:cNvSpPr>
@@ -4294,6 +4227,128 @@
               <a:rPr lang="de-DE" smtClean="0"/>
               <a:pPr/>
               <a:t>6</a:t>
+            </a:fld>
+            <a:endParaRPr lang="de-DE" dirty="0"/>
+          </a:p>
+        </p:txBody>
+      </p:sp>
+      <p:sp>
+        <p:nvSpPr>
+          <p:cNvPr id="6" name="Titel 5"/>
+          <p:cNvSpPr>
+            <a:spLocks noGrp="1"/>
+          </p:cNvSpPr>
+          <p:nvPr>
+            <p:ph type="title"/>
+          </p:nvPr>
+        </p:nvSpPr>
+        <p:spPr/>
+        <p:txBody>
+          <a:bodyPr/>
+          <a:lstStyle/>
+          <a:p>
+            <a:r>
+              <a:rPr lang="de-DE" dirty="0"/>
+              <a:t>Live Demo</a:t>
+            </a:r>
+          </a:p>
+        </p:txBody>
+      </p:sp>
+    </p:spTree>
+    <p:extLst>
+      <p:ext uri="{BB962C8B-B14F-4D97-AF65-F5344CB8AC3E}">
+        <p14:creationId xmlns:p14="http://schemas.microsoft.com/office/powerpoint/2010/main" val="2701905518"/>
+      </p:ext>
+    </p:extLst>
+  </p:cSld>
+  <p:clrMapOvr>
+    <a:masterClrMapping/>
+  </p:clrMapOvr>
+</p:sld>
+</file>
+
+<file path=ppt/slides/slide7.xml><?xml version="1.0" encoding="utf-8"?>
+<p:sld xmlns:a="http://schemas.openxmlformats.org/drawingml/2006/main" xmlns:r="http://schemas.openxmlformats.org/officeDocument/2006/relationships" xmlns:p="http://schemas.openxmlformats.org/presentationml/2006/main">
+  <p:cSld>
+    <p:spTree>
+      <p:nvGrpSpPr>
+        <p:cNvPr id="1" name=""/>
+        <p:cNvGrpSpPr/>
+        <p:nvPr/>
+      </p:nvGrpSpPr>
+      <p:grpSpPr>
+        <a:xfrm>
+          <a:off x="0" y="0"/>
+          <a:ext cx="0" cy="0"/>
+          <a:chOff x="0" y="0"/>
+          <a:chExt cx="0" cy="0"/>
+        </a:xfrm>
+      </p:grpSpPr>
+      <p:sp>
+        <p:nvSpPr>
+          <p:cNvPr id="5" name="Datumsplatzhalter 4"/>
+          <p:cNvSpPr>
+            <a:spLocks noGrp="1"/>
+          </p:cNvSpPr>
+          <p:nvPr>
+            <p:ph type="dt" sz="half" idx="10"/>
+          </p:nvPr>
+        </p:nvSpPr>
+        <p:spPr/>
+        <p:txBody>
+          <a:bodyPr/>
+          <a:lstStyle/>
+          <a:p>
+            <a:r>
+              <a:rPr lang="de-DE"/>
+              <a:t>Datum</a:t>
+            </a:r>
+            <a:endParaRPr lang="de-DE" dirty="0"/>
+          </a:p>
+        </p:txBody>
+      </p:sp>
+      <p:sp>
+        <p:nvSpPr>
+          <p:cNvPr id="6" name="Fußzeilenplatzhalter 5"/>
+          <p:cNvSpPr>
+            <a:spLocks noGrp="1"/>
+          </p:cNvSpPr>
+          <p:nvPr>
+            <p:ph type="ftr" sz="quarter" idx="11"/>
+          </p:nvPr>
+        </p:nvSpPr>
+        <p:spPr/>
+        <p:txBody>
+          <a:bodyPr/>
+          <a:lstStyle/>
+          <a:p>
+            <a:r>
+              <a:rPr lang="de-DE"/>
+              <a:t>Autor, etc</a:t>
+            </a:r>
+            <a:endParaRPr lang="de-DE" dirty="0"/>
+          </a:p>
+        </p:txBody>
+      </p:sp>
+      <p:sp>
+        <p:nvSpPr>
+          <p:cNvPr id="7" name="Foliennummernplatzhalter 6"/>
+          <p:cNvSpPr>
+            <a:spLocks noGrp="1"/>
+          </p:cNvSpPr>
+          <p:nvPr>
+            <p:ph type="sldNum" sz="quarter" idx="12"/>
+          </p:nvPr>
+        </p:nvSpPr>
+        <p:spPr/>
+        <p:txBody>
+          <a:bodyPr/>
+          <a:lstStyle/>
+          <a:p>
+            <a:fld id="{E68C68F6-CEB4-C040-B3A3-CADDD499EB7C}" type="slidenum">
+              <a:rPr lang="de-DE" smtClean="0"/>
+              <a:pPr/>
+              <a:t>7</a:t>
             </a:fld>
             <a:endParaRPr lang="de-DE" dirty="0"/>
           </a:p>
@@ -4323,18 +4378,13 @@
           <a:p>
             <a:pPr algn="ctr"/>
             <a:r>
-              <a:rPr lang="de-DE" sz="6000" dirty="0" smtClean="0">
+              <a:rPr lang="de-DE" sz="6000" dirty="0">
                 <a:solidFill>
                   <a:schemeClr val="bg1"/>
                 </a:solidFill>
               </a:rPr>
               <a:t>Herzlichen Danke für Ihre Aufmerksamkeit</a:t>
             </a:r>
-            <a:endParaRPr lang="de-DE" sz="6000" dirty="0">
-              <a:solidFill>
-                <a:schemeClr val="bg1"/>
-              </a:solidFill>
-            </a:endParaRPr>
           </a:p>
         </p:txBody>
       </p:sp>
@@ -4348,13 +4398,6 @@
   <p:clrMapOvr>
     <a:masterClrMapping/>
   </p:clrMapOvr>
-  <p:timing>
-    <p:tnLst>
-      <p:par>
-        <p:cTn id="1" dur="indefinite" restart="never" nodeType="tmRoot"/>
-      </p:par>
-    </p:tnLst>
-  </p:timing>
 </p:sld>
 </file>
 
